--- a/9-project/진행 파일/주간 커-피 (진행).pptx
+++ b/9-project/진행 파일/주간 커-피 (진행).pptx
@@ -233,7 +233,7 @@
           <a:p>
             <a:fld id="{33BC4233-E253-4715-990C-E546A8AAD7A9}" type="datetimeFigureOut">
               <a:rPr lang="ko-KR" altLang="en-US" smtClean="0"/>
-              <a:t>2021-10-21</a:t>
+              <a:t>2021-10-22</a:t>
             </a:fld>
             <a:endParaRPr lang="ko-KR" altLang="en-US"/>
           </a:p>
@@ -5384,7 +5384,7 @@
           <a:p>
             <a:fld id="{C6CBE35F-5DB0-4705-BDD8-6E14DE5380AF}" type="datetimeFigureOut">
               <a:rPr lang="ko-KR" altLang="en-US" smtClean="0"/>
-              <a:t>2021-10-21</a:t>
+              <a:t>2021-10-22</a:t>
             </a:fld>
             <a:endParaRPr lang="ko-KR" altLang="en-US"/>
           </a:p>
@@ -5582,7 +5582,7 @@
           <a:p>
             <a:fld id="{C6CBE35F-5DB0-4705-BDD8-6E14DE5380AF}" type="datetimeFigureOut">
               <a:rPr lang="ko-KR" altLang="en-US" smtClean="0"/>
-              <a:t>2021-10-21</a:t>
+              <a:t>2021-10-22</a:t>
             </a:fld>
             <a:endParaRPr lang="ko-KR" altLang="en-US"/>
           </a:p>
@@ -5790,7 +5790,7 @@
           <a:p>
             <a:fld id="{C6CBE35F-5DB0-4705-BDD8-6E14DE5380AF}" type="datetimeFigureOut">
               <a:rPr lang="ko-KR" altLang="en-US" smtClean="0"/>
-              <a:t>2021-10-21</a:t>
+              <a:t>2021-10-22</a:t>
             </a:fld>
             <a:endParaRPr lang="ko-KR" altLang="en-US"/>
           </a:p>
@@ -5988,7 +5988,7 @@
           <a:p>
             <a:fld id="{C6CBE35F-5DB0-4705-BDD8-6E14DE5380AF}" type="datetimeFigureOut">
               <a:rPr lang="ko-KR" altLang="en-US" smtClean="0"/>
-              <a:t>2021-10-21</a:t>
+              <a:t>2021-10-22</a:t>
             </a:fld>
             <a:endParaRPr lang="ko-KR" altLang="en-US"/>
           </a:p>
@@ -6263,7 +6263,7 @@
           <a:p>
             <a:fld id="{C6CBE35F-5DB0-4705-BDD8-6E14DE5380AF}" type="datetimeFigureOut">
               <a:rPr lang="ko-KR" altLang="en-US" smtClean="0"/>
-              <a:t>2021-10-21</a:t>
+              <a:t>2021-10-22</a:t>
             </a:fld>
             <a:endParaRPr lang="ko-KR" altLang="en-US"/>
           </a:p>
@@ -6528,7 +6528,7 @@
           <a:p>
             <a:fld id="{C6CBE35F-5DB0-4705-BDD8-6E14DE5380AF}" type="datetimeFigureOut">
               <a:rPr lang="ko-KR" altLang="en-US" smtClean="0"/>
-              <a:t>2021-10-21</a:t>
+              <a:t>2021-10-22</a:t>
             </a:fld>
             <a:endParaRPr lang="ko-KR" altLang="en-US"/>
           </a:p>
@@ -6940,7 +6940,7 @@
           <a:p>
             <a:fld id="{C6CBE35F-5DB0-4705-BDD8-6E14DE5380AF}" type="datetimeFigureOut">
               <a:rPr lang="ko-KR" altLang="en-US" smtClean="0"/>
-              <a:t>2021-10-21</a:t>
+              <a:t>2021-10-22</a:t>
             </a:fld>
             <a:endParaRPr lang="ko-KR" altLang="en-US"/>
           </a:p>
@@ -7081,7 +7081,7 @@
           <a:p>
             <a:fld id="{C6CBE35F-5DB0-4705-BDD8-6E14DE5380AF}" type="datetimeFigureOut">
               <a:rPr lang="ko-KR" altLang="en-US" smtClean="0"/>
-              <a:t>2021-10-21</a:t>
+              <a:t>2021-10-22</a:t>
             </a:fld>
             <a:endParaRPr lang="ko-KR" altLang="en-US"/>
           </a:p>
@@ -7194,7 +7194,7 @@
           <a:p>
             <a:fld id="{C6CBE35F-5DB0-4705-BDD8-6E14DE5380AF}" type="datetimeFigureOut">
               <a:rPr lang="ko-KR" altLang="en-US" smtClean="0"/>
-              <a:t>2021-10-21</a:t>
+              <a:t>2021-10-22</a:t>
             </a:fld>
             <a:endParaRPr lang="ko-KR" altLang="en-US"/>
           </a:p>
@@ -7505,7 +7505,7 @@
           <a:p>
             <a:fld id="{C6CBE35F-5DB0-4705-BDD8-6E14DE5380AF}" type="datetimeFigureOut">
               <a:rPr lang="ko-KR" altLang="en-US" smtClean="0"/>
-              <a:t>2021-10-21</a:t>
+              <a:t>2021-10-22</a:t>
             </a:fld>
             <a:endParaRPr lang="ko-KR" altLang="en-US"/>
           </a:p>
@@ -7793,7 +7793,7 @@
           <a:p>
             <a:fld id="{C6CBE35F-5DB0-4705-BDD8-6E14DE5380AF}" type="datetimeFigureOut">
               <a:rPr lang="ko-KR" altLang="en-US" smtClean="0"/>
-              <a:t>2021-10-21</a:t>
+              <a:t>2021-10-22</a:t>
             </a:fld>
             <a:endParaRPr lang="ko-KR" altLang="en-US"/>
           </a:p>
@@ -8037,7 +8037,7 @@
           <a:p>
             <a:fld id="{C6CBE35F-5DB0-4705-BDD8-6E14DE5380AF}" type="datetimeFigureOut">
               <a:rPr lang="ko-KR" altLang="en-US" smtClean="0"/>
-              <a:t>2021-10-21</a:t>
+              <a:t>2021-10-22</a:t>
             </a:fld>
             <a:endParaRPr lang="ko-KR" altLang="en-US"/>
           </a:p>
@@ -13911,12 +13911,63 @@
           <a:chExt cx="0" cy="0"/>
         </a:xfrm>
       </p:grpSpPr>
+      <p:sp>
+        <p:nvSpPr>
+          <p:cNvPr id="63" name="제목 1">
+            <a:extLst>
+              <a:ext uri="{FF2B5EF4-FFF2-40B4-BE49-F238E27FC236}">
+                <a16:creationId xmlns:a16="http://schemas.microsoft.com/office/drawing/2014/main" id="{B19D4B55-BB5F-4399-8A1C-36FF6F497916}"/>
+              </a:ext>
+            </a:extLst>
+          </p:cNvPr>
+          <p:cNvSpPr>
+            <a:spLocks noGrp="1"/>
+          </p:cNvSpPr>
+          <p:nvPr>
+            <p:ph type="title"/>
+          </p:nvPr>
+        </p:nvSpPr>
+        <p:spPr>
+          <a:xfrm>
+            <a:off x="61653" y="102906"/>
+            <a:ext cx="4336330" cy="887307"/>
+          </a:xfrm>
+        </p:spPr>
+        <p:txBody>
+          <a:bodyPr>
+            <a:normAutofit/>
+          </a:bodyPr>
+          <a:lstStyle/>
+          <a:p>
+            <a:r>
+              <a:rPr lang="en-US" altLang="ko-KR" sz="3600" dirty="0">
+                <a:solidFill>
+                  <a:srgbClr val="403726"/>
+                </a:solidFill>
+                <a:latin typeface="양진체 " panose="02020503000000000000" pitchFamily="18" charset="-127"/>
+                <a:ea typeface="양진체 " panose="02020503000000000000" pitchFamily="18" charset="-127"/>
+              </a:rPr>
+              <a:t> </a:t>
+            </a:r>
+            <a:r>
+              <a:rPr lang="ko-KR" altLang="en-US" sz="3600" dirty="0">
+                <a:solidFill>
+                  <a:srgbClr val="403726"/>
+                </a:solidFill>
+                <a:latin typeface="양진체 " panose="02020503000000000000" pitchFamily="18" charset="-127"/>
+                <a:ea typeface="양진체 " panose="02020503000000000000" pitchFamily="18" charset="-127"/>
+              </a:rPr>
+              <a:t>프로세스 흐름도</a:t>
+            </a:r>
+          </a:p>
+        </p:txBody>
+      </p:sp>
       <p:grpSp>
         <p:nvGrpSpPr>
-          <p:cNvPr id="2" name="그룹 1">
+          <p:cNvPr id="38" name="그룹 37">
             <a:extLst>
               <a:ext uri="{FF2B5EF4-FFF2-40B4-BE49-F238E27FC236}">
-                <a16:creationId xmlns:a16="http://schemas.microsoft.com/office/drawing/2014/main" id="{668C88A7-914D-4361-A3E3-3DAF1869DC1B}"/>
+                <a16:creationId xmlns:a16="http://schemas.microsoft.com/office/drawing/2014/main" id="{CC62FDC9-22EB-475A-BB78-4FB29F61EB4E}"/>
               </a:ext>
             </a:extLst>
           </p:cNvPr>
@@ -13925,15 +13976,15 @@
         </p:nvGrpSpPr>
         <p:grpSpPr>
           <a:xfrm>
-            <a:off x="8754083" y="166935"/>
-            <a:ext cx="3204210" cy="1276456"/>
-            <a:chOff x="8689340" y="4675505"/>
-            <a:chExt cx="3204210" cy="1402868"/>
+            <a:off x="574839" y="204734"/>
+            <a:ext cx="11451547" cy="6448531"/>
+            <a:chOff x="506746" y="166935"/>
+            <a:chExt cx="11451547" cy="6448531"/>
           </a:xfrm>
         </p:grpSpPr>
         <p:sp>
           <p:nvSpPr>
-            <p:cNvPr id="178" name="사각형: 둥근 모서리 177"/>
+            <p:cNvPr id="4" name="사각형: 둥근 모서리 3"/>
             <p:cNvSpPr>
               <a:spLocks/>
             </p:cNvSpPr>
@@ -13941,8 +13992,8 @@
           </p:nvSpPr>
           <p:spPr>
             <a:xfrm>
-              <a:off x="8689340" y="4675505"/>
-              <a:ext cx="3204210" cy="1282833"/>
+              <a:off x="506746" y="1948216"/>
+              <a:ext cx="3347720" cy="4667250"/>
             </a:xfrm>
             <a:prstGeom prst="roundRect">
               <a:avLst>
@@ -13950,11 +14001,75 @@
               </a:avLst>
             </a:prstGeom>
             <a:solidFill>
-              <a:schemeClr val="bg1">
-                <a:lumMod val="95000"/>
-              </a:schemeClr>
+              <a:schemeClr val="bg1"/>
             </a:solidFill>
             <a:ln w="19050" cap="flat" cmpd="sng">
+              <a:solidFill>
+                <a:srgbClr val="663300">
+                  <a:alpha val="100000"/>
+                </a:srgbClr>
+              </a:solidFill>
+              <a:prstDash val="solid"/>
+            </a:ln>
+          </p:spPr>
+          <p:style>
+            <a:lnRef idx="2">
+              <a:schemeClr val="accent1">
+                <a:shade val="50000"/>
+              </a:schemeClr>
+            </a:lnRef>
+            <a:fillRef idx="1">
+              <a:schemeClr val="accent1"/>
+            </a:fillRef>
+            <a:effectRef idx="0">
+              <a:schemeClr val="accent1"/>
+            </a:effectRef>
+            <a:fontRef idx="minor">
+              <a:schemeClr val="lt1"/>
+            </a:fontRef>
+          </p:style>
+          <p:txBody>
+            <a:bodyPr vert="horz" wrap="square" lIns="91440" tIns="45720" rIns="91440" bIns="45720" numCol="1" anchor="ctr">
+              <a:noAutofit/>
+            </a:bodyPr>
+            <a:lstStyle/>
+            <a:p>
+              <a:pPr marL="0" indent="0" algn="ctr" latinLnBrk="0">
+                <a:buFontTx/>
+                <a:buNone/>
+              </a:pPr>
+              <a:endParaRPr lang="ko-KR" altLang="en-US" dirty="0"/>
+            </a:p>
+          </p:txBody>
+        </p:sp>
+        <p:sp>
+          <p:nvSpPr>
+            <p:cNvPr id="73" name="사각형: 둥근 모서리 72">
+              <a:extLst>
+                <a:ext uri="{FF2B5EF4-FFF2-40B4-BE49-F238E27FC236}">
+                  <a16:creationId xmlns:a16="http://schemas.microsoft.com/office/drawing/2014/main" id="{18DD0389-CB4E-4360-946B-6380FB640BB4}"/>
+                </a:ext>
+              </a:extLst>
+            </p:cNvPr>
+            <p:cNvSpPr>
+              <a:spLocks/>
+            </p:cNvSpPr>
+            <p:nvPr/>
+          </p:nvSpPr>
+          <p:spPr>
+            <a:xfrm>
+              <a:off x="643286" y="3940527"/>
+              <a:ext cx="1396365" cy="890270"/>
+            </a:xfrm>
+            <a:prstGeom prst="roundRect">
+              <a:avLst>
+                <a:gd name="adj" fmla="val 0"/>
+              </a:avLst>
+            </a:prstGeom>
+            <a:solidFill>
+              <a:schemeClr val="bg2"/>
+            </a:solidFill>
+            <a:ln w="12700" cap="flat" cmpd="sng">
               <a:solidFill>
                 <a:srgbClr val="663300">
                   <a:alpha val="100000"/>
@@ -13993,243 +14108,6 @@
             </a:p>
           </p:txBody>
         </p:sp>
-        <p:cxnSp>
-          <p:nvCxnSpPr>
-            <p:cNvPr id="173" name="직선 화살표 연결선 172"/>
-            <p:cNvCxnSpPr>
-              <a:cxnSpLocks/>
-            </p:cNvCxnSpPr>
-            <p:nvPr/>
-          </p:nvCxnSpPr>
-          <p:spPr>
-            <a:xfrm>
-              <a:off x="10155555" y="5318125"/>
-              <a:ext cx="1475740" cy="1905"/>
-            </a:xfrm>
-            <a:prstGeom prst="straightConnector1">
-              <a:avLst/>
-            </a:prstGeom>
-            <a:solidFill>
-              <a:srgbClr val="DDE4D8"/>
-            </a:solidFill>
-            <a:ln w="38100" cap="flat" cmpd="sng">
-              <a:prstDash/>
-              <a:tailEnd type="triangle" w="med" len="med"/>
-            </a:ln>
-          </p:spPr>
-          <p:style>
-            <a:lnRef idx="1">
-              <a:schemeClr val="accent1"/>
-            </a:lnRef>
-            <a:fillRef idx="0">
-              <a:schemeClr val="accent1"/>
-            </a:fillRef>
-            <a:effectRef idx="0">
-              <a:schemeClr val="accent1"/>
-            </a:effectRef>
-            <a:fontRef idx="minor">
-              <a:schemeClr val="tx1"/>
-            </a:fontRef>
-          </p:style>
-        </p:cxnSp>
-        <p:cxnSp>
-          <p:nvCxnSpPr>
-            <p:cNvPr id="175" name="직선 화살표 연결선 174"/>
-            <p:cNvCxnSpPr>
-              <a:cxnSpLocks/>
-            </p:cNvCxnSpPr>
-            <p:nvPr/>
-          </p:nvCxnSpPr>
-          <p:spPr>
-            <a:xfrm>
-              <a:off x="10155555" y="5699125"/>
-              <a:ext cx="1475740" cy="1905"/>
-            </a:xfrm>
-            <a:prstGeom prst="straightConnector1">
-              <a:avLst/>
-            </a:prstGeom>
-            <a:solidFill>
-              <a:srgbClr val="DDE4D8"/>
-            </a:solidFill>
-            <a:ln w="38100" cap="flat" cmpd="sng">
-              <a:solidFill>
-                <a:schemeClr val="accent2">
-                  <a:lumMod val="75000"/>
-                  <a:alpha val="100000"/>
-                </a:schemeClr>
-              </a:solidFill>
-              <a:prstDash val="dash"/>
-              <a:tailEnd type="triangle" w="med" len="med"/>
-            </a:ln>
-          </p:spPr>
-          <p:style>
-            <a:lnRef idx="1">
-              <a:schemeClr val="accent1"/>
-            </a:lnRef>
-            <a:fillRef idx="0">
-              <a:schemeClr val="accent1"/>
-            </a:fillRef>
-            <a:effectRef idx="0">
-              <a:schemeClr val="accent1"/>
-            </a:effectRef>
-            <a:fontRef idx="minor">
-              <a:schemeClr val="tx1"/>
-            </a:fontRef>
-          </p:style>
-        </p:cxnSp>
-        <p:sp>
-          <p:nvSpPr>
-            <p:cNvPr id="177" name="TextBox 176"/>
-            <p:cNvSpPr txBox="1">
-              <a:spLocks/>
-            </p:cNvSpPr>
-            <p:nvPr/>
-          </p:nvSpPr>
-          <p:spPr>
-            <a:xfrm>
-              <a:off x="8770663" y="4734992"/>
-              <a:ext cx="1145540" cy="1343381"/>
-            </a:xfrm>
-            <a:prstGeom prst="rect">
-              <a:avLst/>
-            </a:prstGeom>
-            <a:noFill/>
-          </p:spPr>
-          <p:txBody>
-            <a:bodyPr vert="horz" wrap="square" lIns="91440" tIns="45720" rIns="91440" bIns="45720" numCol="1" anchor="t">
-              <a:spAutoFit/>
-            </a:bodyPr>
-            <a:lstStyle/>
-            <a:p>
-              <a:pPr marL="0" indent="0" latinLnBrk="0">
-                <a:lnSpc>
-                  <a:spcPct val="150000"/>
-                </a:lnSpc>
-                <a:buFontTx/>
-                <a:buNone/>
-              </a:pPr>
-              <a:r>
-                <a:rPr lang="ko-KR" altLang="en-US" sz="1400" dirty="0"/>
-                <a:t>메시지 큐</a:t>
-              </a:r>
-              <a:endParaRPr lang="en-US" altLang="ko-KR" sz="1400" dirty="0"/>
-            </a:p>
-            <a:p>
-              <a:pPr marL="0" indent="0" latinLnBrk="0">
-                <a:lnSpc>
-                  <a:spcPct val="150000"/>
-                </a:lnSpc>
-                <a:buFontTx/>
-                <a:buNone/>
-              </a:pPr>
-              <a:r>
-                <a:rPr lang="ko-KR" altLang="en-US" sz="1400" dirty="0"/>
-                <a:t>화면 이동</a:t>
-              </a:r>
-            </a:p>
-            <a:p>
-              <a:pPr marL="0" indent="0" latinLnBrk="0">
-                <a:lnSpc>
-                  <a:spcPct val="150000"/>
-                </a:lnSpc>
-                <a:buFontTx/>
-                <a:buNone/>
-              </a:pPr>
-              <a:r>
-                <a:rPr lang="ko-KR" altLang="en-US" sz="1400" dirty="0"/>
-                <a:t>데이터 이동</a:t>
-              </a:r>
-            </a:p>
-            <a:p>
-              <a:pPr marL="0" indent="0" latinLnBrk="0">
-                <a:lnSpc>
-                  <a:spcPct val="150000"/>
-                </a:lnSpc>
-                <a:buFontTx/>
-                <a:buNone/>
-              </a:pPr>
-              <a:endParaRPr lang="ko-KR" altLang="en-US" sz="1400" dirty="0"/>
-            </a:p>
-          </p:txBody>
-        </p:sp>
-        <p:sp>
-          <p:nvSpPr>
-            <p:cNvPr id="281" name="Rectangle 25"/>
-            <p:cNvSpPr>
-              <a:spLocks/>
-            </p:cNvSpPr>
-            <p:nvPr/>
-          </p:nvSpPr>
-          <p:spPr>
-            <a:xfrm>
-              <a:off x="10163810" y="4887595"/>
-              <a:ext cx="1290955" cy="144780"/>
-            </a:xfrm>
-            <a:prstGeom prst="rect">
-              <a:avLst/>
-            </a:prstGeom>
-            <a:solidFill>
-              <a:srgbClr val="DFD855"/>
-            </a:solidFill>
-            <a:ln w="0">
-              <a:noFill/>
-              <a:prstDash/>
-            </a:ln>
-          </p:spPr>
-          <p:style>
-            <a:lnRef idx="2">
-              <a:schemeClr val="accent1">
-                <a:shade val="50000"/>
-              </a:schemeClr>
-            </a:lnRef>
-            <a:fillRef idx="1">
-              <a:schemeClr val="accent1"/>
-            </a:fillRef>
-            <a:effectRef idx="0">
-              <a:schemeClr val="accent1"/>
-            </a:effectRef>
-            <a:fontRef idx="minor">
-              <a:schemeClr val="lt1"/>
-            </a:fontRef>
-          </p:style>
-          <p:txBody>
-            <a:bodyPr vert="horz" wrap="square" lIns="91440" tIns="45720" rIns="91440" bIns="45720" numCol="1" anchor="ctr">
-              <a:noAutofit/>
-            </a:bodyPr>
-            <a:lstStyle/>
-            <a:p>
-              <a:pPr marL="0" indent="0" algn="ctr" latinLnBrk="0" hangingPunct="1">
-                <a:buFontTx/>
-                <a:buNone/>
-              </a:pPr>
-              <a:endParaRPr lang="ko-KR" altLang="en-US" sz="1800">
-                <a:latin typeface="나눔고딕" charset="0"/>
-                <a:ea typeface="나눔고딕" charset="0"/>
-              </a:endParaRPr>
-            </a:p>
-          </p:txBody>
-        </p:sp>
-      </p:grpSp>
-      <p:grpSp>
-        <p:nvGrpSpPr>
-          <p:cNvPr id="3" name="그룹 2">
-            <a:extLst>
-              <a:ext uri="{FF2B5EF4-FFF2-40B4-BE49-F238E27FC236}">
-                <a16:creationId xmlns:a16="http://schemas.microsoft.com/office/drawing/2014/main" id="{E5A0780C-72F9-4102-8B4B-49B974FD4D31}"/>
-              </a:ext>
-            </a:extLst>
-          </p:cNvPr>
-          <p:cNvGrpSpPr/>
-          <p:nvPr/>
-        </p:nvGrpSpPr>
-        <p:grpSpPr>
-          <a:xfrm>
-            <a:off x="506746" y="1531021"/>
-            <a:ext cx="11404600" cy="5084445"/>
-            <a:chOff x="406400" y="104775"/>
-            <a:chExt cx="11404600" cy="5084445"/>
-          </a:xfrm>
-        </p:grpSpPr>
         <p:sp>
           <p:nvSpPr>
             <p:cNvPr id="6" name="사각형: 둥근 모서리 5"/>
@@ -14240,7 +14118,7 @@
           </p:nvSpPr>
           <p:spPr>
             <a:xfrm>
-              <a:off x="8503285" y="508635"/>
+              <a:off x="8603631" y="1934881"/>
               <a:ext cx="3063240" cy="3890010"/>
             </a:xfrm>
             <a:prstGeom prst="roundRect">
@@ -14300,7 +14178,7 @@
           </p:nvSpPr>
           <p:spPr>
             <a:xfrm>
-              <a:off x="8750300" y="1567180"/>
+              <a:off x="8850646" y="2993426"/>
               <a:ext cx="1260475" cy="723265"/>
             </a:xfrm>
             <a:prstGeom prst="roundRect">
@@ -14360,7 +14238,7 @@
           </p:nvSpPr>
           <p:spPr>
             <a:xfrm>
-              <a:off x="8789670" y="2431415"/>
+              <a:off x="8890016" y="3857661"/>
               <a:ext cx="2449195" cy="723265"/>
             </a:xfrm>
             <a:prstGeom prst="roundRect">
@@ -14417,7 +14295,7 @@
           </p:nvSpPr>
           <p:spPr>
             <a:xfrm>
-              <a:off x="8792210" y="3351530"/>
+              <a:off x="8892556" y="4777776"/>
               <a:ext cx="2449195" cy="803275"/>
             </a:xfrm>
             <a:prstGeom prst="roundRect">
@@ -14477,7 +14355,7 @@
           </p:nvCxnSpPr>
           <p:spPr>
             <a:xfrm>
-              <a:off x="10845165" y="922020"/>
+              <a:off x="10945511" y="2348266"/>
               <a:ext cx="635" cy="2430145"/>
             </a:xfrm>
             <a:prstGeom prst="straightConnector1">
@@ -14513,7 +14391,7 @@
           </p:nvCxnSpPr>
           <p:spPr>
             <a:xfrm>
-              <a:off x="10557510" y="978535"/>
+              <a:off x="10657856" y="2404781"/>
               <a:ext cx="635" cy="1558290"/>
             </a:xfrm>
             <a:prstGeom prst="straightConnector1">
@@ -14541,66 +14419,6 @@
         </p:cxnSp>
         <p:sp>
           <p:nvSpPr>
-            <p:cNvPr id="4" name="사각형: 둥근 모서리 3"/>
-            <p:cNvSpPr>
-              <a:spLocks/>
-            </p:cNvSpPr>
-            <p:nvPr/>
-          </p:nvSpPr>
-          <p:spPr>
-            <a:xfrm>
-              <a:off x="406400" y="521970"/>
-              <a:ext cx="3347720" cy="4039869"/>
-            </a:xfrm>
-            <a:prstGeom prst="roundRect">
-              <a:avLst>
-                <a:gd name="adj" fmla="val 0"/>
-              </a:avLst>
-            </a:prstGeom>
-            <a:solidFill>
-              <a:schemeClr val="bg1"/>
-            </a:solidFill>
-            <a:ln w="19050" cap="flat" cmpd="sng">
-              <a:solidFill>
-                <a:srgbClr val="663300">
-                  <a:alpha val="100000"/>
-                </a:srgbClr>
-              </a:solidFill>
-              <a:prstDash val="solid"/>
-            </a:ln>
-          </p:spPr>
-          <p:style>
-            <a:lnRef idx="2">
-              <a:schemeClr val="accent1">
-                <a:shade val="50000"/>
-              </a:schemeClr>
-            </a:lnRef>
-            <a:fillRef idx="1">
-              <a:schemeClr val="accent1"/>
-            </a:fillRef>
-            <a:effectRef idx="0">
-              <a:schemeClr val="accent1"/>
-            </a:effectRef>
-            <a:fontRef idx="minor">
-              <a:schemeClr val="lt1"/>
-            </a:fontRef>
-          </p:style>
-          <p:txBody>
-            <a:bodyPr vert="horz" wrap="square" lIns="91440" tIns="45720" rIns="91440" bIns="45720" numCol="1" anchor="ctr">
-              <a:noAutofit/>
-            </a:bodyPr>
-            <a:lstStyle/>
-            <a:p>
-              <a:pPr marL="0" indent="0" algn="ctr" latinLnBrk="0">
-                <a:buFontTx/>
-                <a:buNone/>
-              </a:pPr>
-              <a:endParaRPr lang="ko-KR" altLang="en-US"/>
-            </a:p>
-          </p:txBody>
-        </p:sp>
-        <p:sp>
-          <p:nvSpPr>
             <p:cNvPr id="5" name="사각형: 둥근 모서리 4"/>
             <p:cNvSpPr>
               <a:spLocks/>
@@ -14609,8 +14427,8 @@
           </p:nvSpPr>
           <p:spPr>
             <a:xfrm>
-              <a:off x="4371340" y="517525"/>
-              <a:ext cx="3348355" cy="4671695"/>
+              <a:off x="4471686" y="990213"/>
+              <a:ext cx="3348355" cy="5625253"/>
             </a:xfrm>
             <a:prstGeom prst="roundRect">
               <a:avLst>
@@ -14669,7 +14487,7 @@
           </p:nvSpPr>
           <p:spPr>
             <a:xfrm>
-              <a:off x="1063624" y="139700"/>
+              <a:off x="1163970" y="1565946"/>
               <a:ext cx="2868295" cy="368935"/>
             </a:xfrm>
             <a:prstGeom prst="rect">
@@ -14725,7 +14543,7 @@
           </p:nvSpPr>
           <p:spPr>
             <a:xfrm>
-              <a:off x="5099685" y="142240"/>
+              <a:off x="5120656" y="425781"/>
               <a:ext cx="1656080" cy="368935"/>
             </a:xfrm>
             <a:prstGeom prst="rect">
@@ -14767,7 +14585,7 @@
           </p:nvSpPr>
           <p:spPr>
             <a:xfrm>
-              <a:off x="9117330" y="104775"/>
+              <a:off x="9217676" y="1531021"/>
               <a:ext cx="2693670" cy="368935"/>
             </a:xfrm>
             <a:prstGeom prst="rect">
@@ -14809,7 +14627,7 @@
           </p:nvSpPr>
           <p:spPr>
             <a:xfrm>
-              <a:off x="960120" y="716915"/>
+              <a:off x="1060466" y="2143161"/>
               <a:ext cx="2338705" cy="445770"/>
             </a:xfrm>
             <a:prstGeom prst="roundRect">
@@ -14880,7 +14698,7 @@
           </p:nvSpPr>
           <p:spPr>
             <a:xfrm>
-              <a:off x="521970" y="1388745"/>
+              <a:off x="2130105" y="2814991"/>
               <a:ext cx="1395730" cy="2627630"/>
             </a:xfrm>
             <a:prstGeom prst="roundRect">
@@ -14940,7 +14758,7 @@
           </p:nvSpPr>
           <p:spPr>
             <a:xfrm>
-              <a:off x="643890" y="1569720"/>
+              <a:off x="2252025" y="2995966"/>
               <a:ext cx="1153795" cy="569595"/>
             </a:xfrm>
             <a:prstGeom prst="roundRect">
@@ -15002,66 +14820,6 @@
         </p:sp>
         <p:sp>
           <p:nvSpPr>
-            <p:cNvPr id="39" name="사각형: 둥근 모서리 38"/>
-            <p:cNvSpPr>
-              <a:spLocks/>
-            </p:cNvSpPr>
-            <p:nvPr/>
-          </p:nvSpPr>
-          <p:spPr>
-            <a:xfrm>
-              <a:off x="2189480" y="1383665"/>
-              <a:ext cx="1396365" cy="890270"/>
-            </a:xfrm>
-            <a:prstGeom prst="roundRect">
-              <a:avLst>
-                <a:gd name="adj" fmla="val 0"/>
-              </a:avLst>
-            </a:prstGeom>
-            <a:solidFill>
-              <a:schemeClr val="bg2"/>
-            </a:solidFill>
-            <a:ln w="12700" cap="flat" cmpd="sng">
-              <a:solidFill>
-                <a:srgbClr val="663300">
-                  <a:alpha val="100000"/>
-                </a:srgbClr>
-              </a:solidFill>
-              <a:prstDash val="solid"/>
-            </a:ln>
-          </p:spPr>
-          <p:style>
-            <a:lnRef idx="2">
-              <a:schemeClr val="accent1">
-                <a:shade val="50000"/>
-              </a:schemeClr>
-            </a:lnRef>
-            <a:fillRef idx="1">
-              <a:schemeClr val="accent1"/>
-            </a:fillRef>
-            <a:effectRef idx="0">
-              <a:schemeClr val="accent1"/>
-            </a:effectRef>
-            <a:fontRef idx="minor">
-              <a:schemeClr val="lt1"/>
-            </a:fontRef>
-          </p:style>
-          <p:txBody>
-            <a:bodyPr vert="horz" wrap="square" lIns="91440" tIns="45720" rIns="91440" bIns="45720" numCol="1" anchor="ctr">
-              <a:noAutofit/>
-            </a:bodyPr>
-            <a:lstStyle/>
-            <a:p>
-              <a:pPr marL="0" indent="0" algn="ctr" latinLnBrk="0">
-                <a:buFontTx/>
-                <a:buNone/>
-              </a:pPr>
-              <a:endParaRPr lang="ko-KR" altLang="en-US"/>
-            </a:p>
-          </p:txBody>
-        </p:sp>
-        <p:sp>
-          <p:nvSpPr>
             <p:cNvPr id="40" name="사각형: 둥근 모서리 39"/>
             <p:cNvSpPr>
               <a:spLocks/>
@@ -15070,7 +14828,7 @@
           </p:nvSpPr>
           <p:spPr>
             <a:xfrm>
-              <a:off x="634365" y="2403475"/>
+              <a:off x="2242500" y="3829721"/>
               <a:ext cx="1153795" cy="569595"/>
             </a:xfrm>
             <a:prstGeom prst="roundRect">
@@ -15140,7 +14898,7 @@
           </p:nvCxnSpPr>
           <p:spPr>
             <a:xfrm flipH="1">
-              <a:off x="1210945" y="2138680"/>
+              <a:off x="2819080" y="3564926"/>
               <a:ext cx="9525" cy="265430"/>
             </a:xfrm>
             <a:prstGeom prst="straightConnector1">
@@ -15174,42 +14932,8 @@
           </p:nvCxnSpPr>
           <p:spPr>
             <a:xfrm flipH="1">
-              <a:off x="1219835" y="1189355"/>
+              <a:off x="2827970" y="2615601"/>
               <a:ext cx="2540" cy="386080"/>
-            </a:xfrm>
-            <a:prstGeom prst="straightConnector1">
-              <a:avLst/>
-            </a:prstGeom>
-            <a:ln w="38100" cap="flat" cmpd="sng">
-              <a:prstDash/>
-              <a:tailEnd type="triangle" w="med" len="med"/>
-            </a:ln>
-          </p:spPr>
-          <p:style>
-            <a:lnRef idx="1">
-              <a:schemeClr val="accent1"/>
-            </a:lnRef>
-            <a:fillRef idx="0">
-              <a:schemeClr val="accent1"/>
-            </a:fillRef>
-            <a:effectRef idx="0">
-              <a:schemeClr val="accent1"/>
-            </a:effectRef>
-            <a:fontRef idx="minor">
-              <a:schemeClr val="tx1"/>
-            </a:fontRef>
-          </p:style>
-        </p:cxnSp>
-        <p:cxnSp>
-          <p:nvCxnSpPr>
-            <p:cNvPr id="47" name="직선 화살표 연결선 46"/>
-            <p:cNvCxnSpPr/>
-            <p:nvPr/>
-          </p:nvCxnSpPr>
-          <p:spPr>
-            <a:xfrm>
-              <a:off x="2867025" y="1164590"/>
-              <a:ext cx="8890" cy="393065"/>
             </a:xfrm>
             <a:prstGeom prst="straightConnector1">
               <a:avLst/>
@@ -15244,7 +14968,7 @@
           </p:nvSpPr>
           <p:spPr>
             <a:xfrm>
-              <a:off x="4635500" y="758825"/>
+              <a:off x="4719638" y="1280177"/>
               <a:ext cx="2825750" cy="463550"/>
             </a:xfrm>
             <a:prstGeom prst="roundRect">
@@ -15323,7 +15047,7 @@
           </p:nvSpPr>
           <p:spPr>
             <a:xfrm>
-              <a:off x="9110345" y="2531110"/>
+              <a:off x="9210691" y="3957356"/>
               <a:ext cx="1833245" cy="518160"/>
             </a:xfrm>
             <a:prstGeom prst="roundRect">
@@ -15390,7 +15114,7 @@
           </p:nvSpPr>
           <p:spPr>
             <a:xfrm>
-              <a:off x="4822825" y="1504950"/>
+              <a:off x="4923171" y="2931196"/>
               <a:ext cx="2392680" cy="848360"/>
             </a:xfrm>
             <a:prstGeom prst="roundRect">
@@ -15450,7 +15174,7 @@
           </p:nvSpPr>
           <p:spPr>
             <a:xfrm>
-              <a:off x="623570" y="3371850"/>
+              <a:off x="2231705" y="4798096"/>
               <a:ext cx="1153795" cy="450850"/>
             </a:xfrm>
             <a:prstGeom prst="roundRect">
@@ -15500,7 +15224,7 @@
                 <a:buNone/>
               </a:pPr>
               <a:r>
-                <a:rPr lang="ko-KR" altLang="en-US" sz="1200" b="1">
+                <a:rPr lang="ko-KR" altLang="en-US" sz="1200" b="1" dirty="0" err="1">
                   <a:solidFill>
                     <a:schemeClr val="tx1"/>
                   </a:solidFill>
@@ -15508,7 +15232,7 @@
                 <a:t>구독주문상세</a:t>
               </a:r>
               <a:r>
-                <a:rPr lang="ko-KR" altLang="en-US" b="1">
+                <a:rPr lang="ko-KR" altLang="en-US" b="1" dirty="0">
                   <a:solidFill>
                     <a:schemeClr val="tx1"/>
                   </a:solidFill>
@@ -15528,7 +15252,7 @@
           </p:nvCxnSpPr>
           <p:spPr>
             <a:xfrm>
-              <a:off x="9201150" y="1061720"/>
+              <a:off x="9301496" y="2487966"/>
               <a:ext cx="635" cy="513080"/>
             </a:xfrm>
             <a:prstGeom prst="straightConnector1">
@@ -15564,7 +15288,7 @@
           </p:nvSpPr>
           <p:spPr>
             <a:xfrm>
-              <a:off x="4846320" y="2710180"/>
+              <a:off x="4946666" y="4136426"/>
               <a:ext cx="2392045" cy="847725"/>
             </a:xfrm>
             <a:prstGeom prst="roundRect">
@@ -15624,7 +15348,7 @@
           </p:nvSpPr>
           <p:spPr>
             <a:xfrm>
-              <a:off x="5172075" y="2868295"/>
+              <a:off x="5272421" y="4294541"/>
               <a:ext cx="1789430" cy="553085"/>
             </a:xfrm>
             <a:prstGeom prst="roundRect">
@@ -15684,76 +15408,6 @@
             </a:p>
           </p:txBody>
         </p:sp>
-        <p:sp>
-          <p:nvSpPr>
-            <p:cNvPr id="44" name="사각형: 둥근 모서리 43"/>
-            <p:cNvSpPr>
-              <a:spLocks/>
-            </p:cNvSpPr>
-            <p:nvPr/>
-          </p:nvSpPr>
-          <p:spPr>
-            <a:xfrm>
-              <a:off x="2298065" y="1551305"/>
-              <a:ext cx="1144905" cy="569595"/>
-            </a:xfrm>
-            <a:prstGeom prst="roundRect">
-              <a:avLst>
-                <a:gd name="adj" fmla="val 0"/>
-              </a:avLst>
-            </a:prstGeom>
-            <a:solidFill>
-              <a:schemeClr val="accent2">
-                <a:lumMod val="40000"/>
-                <a:lumOff val="60000"/>
-              </a:schemeClr>
-            </a:solidFill>
-            <a:ln w="12700" cap="flat" cmpd="sng">
-              <a:solidFill>
-                <a:srgbClr val="663300">
-                  <a:alpha val="100000"/>
-                </a:srgbClr>
-              </a:solidFill>
-              <a:prstDash val="solid"/>
-            </a:ln>
-          </p:spPr>
-          <p:style>
-            <a:lnRef idx="2">
-              <a:schemeClr val="accent1">
-                <a:shade val="50000"/>
-              </a:schemeClr>
-            </a:lnRef>
-            <a:fillRef idx="1">
-              <a:schemeClr val="accent1"/>
-            </a:fillRef>
-            <a:effectRef idx="0">
-              <a:schemeClr val="accent1"/>
-            </a:effectRef>
-            <a:fontRef idx="minor">
-              <a:schemeClr val="lt1"/>
-            </a:fontRef>
-          </p:style>
-          <p:txBody>
-            <a:bodyPr vert="horz" wrap="square" lIns="91440" tIns="45720" rIns="91440" bIns="45720" numCol="1" anchor="ctr">
-              <a:noAutofit/>
-            </a:bodyPr>
-            <a:lstStyle/>
-            <a:p>
-              <a:pPr marL="0" indent="0" algn="ctr" latinLnBrk="0">
-                <a:buFontTx/>
-                <a:buNone/>
-              </a:pPr>
-              <a:r>
-                <a:rPr lang="ko-KR" altLang="en-US" sz="1500" b="1">
-                  <a:solidFill>
-                    <a:schemeClr val="tx1"/>
-                  </a:solidFill>
-                </a:rPr>
-                <a:t>마이페이지</a:t>
-              </a:r>
-            </a:p>
-          </p:txBody>
-        </p:sp>
         <p:cxnSp>
           <p:nvCxnSpPr>
             <p:cNvPr id="87" name="직선 화살표 연결선 86"/>
@@ -15765,7 +15419,7 @@
           </p:nvCxnSpPr>
           <p:spPr>
             <a:xfrm flipH="1">
-              <a:off x="1200150" y="2972435"/>
+              <a:off x="2808285" y="4398681"/>
               <a:ext cx="11430" cy="400050"/>
             </a:xfrm>
             <a:prstGeom prst="straightConnector1">
@@ -15805,7 +15459,7 @@
           </p:nvSpPr>
           <p:spPr>
             <a:xfrm>
-              <a:off x="8789670" y="715645"/>
+              <a:off x="8890016" y="2141891"/>
               <a:ext cx="2449195" cy="511175"/>
             </a:xfrm>
             <a:prstGeom prst="roundRect">
@@ -15872,7 +15526,7 @@
           </p:nvCxnSpPr>
           <p:spPr>
             <a:xfrm flipH="1" flipV="1">
-              <a:off x="6972935" y="1807210"/>
+              <a:off x="7073281" y="3233456"/>
               <a:ext cx="1702435" cy="1905"/>
             </a:xfrm>
             <a:prstGeom prst="straightConnector1">
@@ -15920,7 +15574,7 @@
           </p:nvSpPr>
           <p:spPr>
             <a:xfrm>
-              <a:off x="7821930" y="1746250"/>
+              <a:off x="7922276" y="3172496"/>
               <a:ext cx="445135" cy="124460"/>
             </a:xfrm>
             <a:prstGeom prst="rect">
@@ -15973,7 +15627,7 @@
           </p:nvSpPr>
           <p:spPr>
             <a:xfrm>
-              <a:off x="5139690" y="1654175"/>
+              <a:off x="5240036" y="3080421"/>
               <a:ext cx="1833880" cy="553085"/>
             </a:xfrm>
             <a:prstGeom prst="roundRect">
@@ -16043,7 +15697,7 @@
           </p:nvCxnSpPr>
           <p:spPr>
             <a:xfrm>
-              <a:off x="6961505" y="2026285"/>
+              <a:off x="7061851" y="3452531"/>
               <a:ext cx="1754505" cy="2540"/>
             </a:xfrm>
             <a:prstGeom prst="straightConnector1">
@@ -16085,7 +15739,7 @@
           </p:nvSpPr>
           <p:spPr>
             <a:xfrm flipH="1">
-              <a:off x="7816850" y="1965324"/>
+              <a:off x="7917196" y="3391570"/>
               <a:ext cx="445770" cy="125095"/>
             </a:xfrm>
             <a:prstGeom prst="rect">
@@ -16136,18 +15790,18 @@
           <p:nvCxnSpPr>
             <p:cNvPr id="85" name="연결선: 꺾임 84"/>
             <p:cNvCxnSpPr>
-              <a:endCxn id="32" idx="3"/>
+              <a:cxnSpLocks/>
             </p:cNvCxnSpPr>
             <p:nvPr/>
           </p:nvCxnSpPr>
           <p:spPr>
             <a:xfrm rot="10800000">
-              <a:off x="1797050" y="1854200"/>
-              <a:ext cx="6960870" cy="720090"/>
+              <a:off x="3405820" y="3251581"/>
+              <a:ext cx="5782646" cy="758191"/>
             </a:xfrm>
             <a:prstGeom prst="bentConnector3">
               <a:avLst>
-                <a:gd name="adj1" fmla="val 96097"/>
+                <a:gd name="adj1" fmla="val 86336"/>
               </a:avLst>
             </a:prstGeom>
             <a:ln w="38100" cap="flat" cmpd="sng">
@@ -16186,7 +15840,7 @@
           </p:nvSpPr>
           <p:spPr>
             <a:xfrm>
-              <a:off x="2465070" y="2507615"/>
+              <a:off x="7625096" y="3926083"/>
               <a:ext cx="1013460" cy="132080"/>
             </a:xfrm>
             <a:prstGeom prst="rect">
@@ -16243,7 +15897,7 @@
           </p:nvSpPr>
           <p:spPr>
             <a:xfrm>
-              <a:off x="4852670" y="3981450"/>
+              <a:off x="4953016" y="5407696"/>
               <a:ext cx="2392045" cy="847725"/>
             </a:xfrm>
             <a:prstGeom prst="roundRect">
@@ -16303,7 +15957,7 @@
           </p:nvSpPr>
           <p:spPr>
             <a:xfrm>
-              <a:off x="5133975" y="4118610"/>
+              <a:off x="5234321" y="5544856"/>
               <a:ext cx="1850390" cy="518795"/>
             </a:xfrm>
             <a:prstGeom prst="roundRect">
@@ -16373,7 +16027,7 @@
           </p:nvCxnSpPr>
           <p:spPr>
             <a:xfrm flipV="1">
-              <a:off x="7265035" y="970914"/>
+              <a:off x="7365381" y="2397160"/>
               <a:ext cx="3973830" cy="3517900"/>
             </a:xfrm>
             <a:prstGeom prst="bentConnector3">
@@ -16417,7 +16071,7 @@
           </p:nvSpPr>
           <p:spPr>
             <a:xfrm>
-              <a:off x="7786370" y="4423410"/>
+              <a:off x="7886716" y="5849656"/>
               <a:ext cx="617220" cy="142240"/>
             </a:xfrm>
             <a:prstGeom prst="rect">
@@ -16474,7 +16128,7 @@
           </p:nvSpPr>
           <p:spPr>
             <a:xfrm>
-              <a:off x="8870950" y="1642110"/>
+              <a:off x="8971296" y="3068356"/>
               <a:ext cx="1009650" cy="569595"/>
             </a:xfrm>
             <a:prstGeom prst="roundRect">
@@ -16544,7 +16198,7 @@
           </p:nvSpPr>
           <p:spPr>
             <a:xfrm>
-              <a:off x="10100945" y="1565910"/>
+              <a:off x="10201291" y="2992156"/>
               <a:ext cx="1242060" cy="723265"/>
             </a:xfrm>
             <a:prstGeom prst="roundRect">
@@ -16604,7 +16258,7 @@
           </p:nvSpPr>
           <p:spPr>
             <a:xfrm>
-              <a:off x="10221595" y="1640840"/>
+              <a:off x="10321941" y="3067086"/>
               <a:ext cx="995045" cy="569595"/>
             </a:xfrm>
             <a:prstGeom prst="roundRect">
@@ -16672,7 +16326,7 @@
           </p:nvCxnSpPr>
           <p:spPr>
             <a:xfrm>
-              <a:off x="10295890" y="1229995"/>
+              <a:off x="10396236" y="2656241"/>
               <a:ext cx="8890" cy="351155"/>
             </a:xfrm>
             <a:prstGeom prst="straightConnector1">
@@ -16708,7 +16362,7 @@
           </p:nvSpPr>
           <p:spPr>
             <a:xfrm>
-              <a:off x="9095105" y="3477895"/>
+              <a:off x="9195451" y="4904141"/>
               <a:ext cx="1836420" cy="518795"/>
             </a:xfrm>
             <a:prstGeom prst="roundRect">
@@ -16771,17 +16425,19 @@
         <p:cxnSp>
           <p:nvCxnSpPr>
             <p:cNvPr id="303" name="Elbow Double Arrow Connector 53"/>
-            <p:cNvCxnSpPr/>
+            <p:cNvCxnSpPr>
+              <a:cxnSpLocks/>
+            </p:cNvCxnSpPr>
             <p:nvPr/>
           </p:nvCxnSpPr>
           <p:spPr>
             <a:xfrm>
-              <a:off x="1758950" y="3486150"/>
-              <a:ext cx="7013575" cy="196215"/>
+              <a:off x="3427303" y="5025107"/>
+              <a:ext cx="5393690" cy="200025"/>
             </a:xfrm>
             <a:prstGeom prst="bentConnector3">
               <a:avLst>
-                <a:gd name="adj1" fmla="val 33097"/>
+                <a:gd name="adj1" fmla="val 13028"/>
               </a:avLst>
             </a:prstGeom>
             <a:ln w="38100" cap="flat" cmpd="sng">
@@ -16810,80 +16466,23 @@
             </a:fontRef>
           </p:style>
         </p:cxnSp>
-        <p:sp>
-          <p:nvSpPr>
-            <p:cNvPr id="304" name="Rectangle 55"/>
-            <p:cNvSpPr>
-              <a:spLocks/>
-            </p:cNvSpPr>
-            <p:nvPr/>
-          </p:nvSpPr>
-          <p:spPr>
-            <a:xfrm>
-              <a:off x="2316480" y="3409950"/>
-              <a:ext cx="1062355" cy="144780"/>
-            </a:xfrm>
-            <a:prstGeom prst="rect">
-              <a:avLst/>
-            </a:prstGeom>
-            <a:solidFill>
-              <a:srgbClr val="DFD855"/>
-            </a:solidFill>
-            <a:ln w="0">
-              <a:noFill/>
-              <a:prstDash/>
-            </a:ln>
-          </p:spPr>
-          <p:style>
-            <a:lnRef idx="2">
-              <a:schemeClr val="accent1">
-                <a:shade val="50000"/>
-              </a:schemeClr>
-            </a:lnRef>
-            <a:fillRef idx="1">
-              <a:schemeClr val="accent1"/>
-            </a:fillRef>
-            <a:effectRef idx="0">
-              <a:schemeClr val="accent1"/>
-            </a:effectRef>
-            <a:fontRef idx="minor">
-              <a:schemeClr val="lt1"/>
-            </a:fontRef>
-          </p:style>
-          <p:txBody>
-            <a:bodyPr vert="horz" wrap="square" lIns="91440" tIns="45720" rIns="91440" bIns="45720" numCol="1" anchor="ctr">
-              <a:noAutofit/>
-            </a:bodyPr>
-            <a:lstStyle/>
-            <a:p>
-              <a:pPr marL="0" indent="0" algn="ctr" latinLnBrk="0" hangingPunct="1">
-                <a:buFontTx/>
-                <a:buNone/>
-              </a:pPr>
-              <a:endParaRPr lang="ko-KR" altLang="en-US" sz="1800">
-                <a:latin typeface="나눔고딕" charset="0"/>
-                <a:ea typeface="나눔고딕" charset="0"/>
-              </a:endParaRPr>
-            </a:p>
-          </p:txBody>
-        </p:sp>
         <p:cxnSp>
           <p:nvCxnSpPr>
             <p:cNvPr id="305" name="Elbow Double Arrow Connector 57"/>
             <p:cNvCxnSpPr>
+              <a:cxnSpLocks/>
+              <a:stCxn id="84" idx="2"/>
               <a:endCxn id="285" idx="1"/>
             </p:cNvCxnSpPr>
             <p:nvPr/>
           </p:nvCxnSpPr>
           <p:spPr>
-            <a:xfrm>
-              <a:off x="1139825" y="3836670"/>
-              <a:ext cx="3713480" cy="568960"/>
+            <a:xfrm rot="16200000" flipH="1">
+              <a:off x="3589503" y="4468045"/>
+              <a:ext cx="582613" cy="2144413"/>
             </a:xfrm>
-            <a:prstGeom prst="bentConnector3">
-              <a:avLst>
-                <a:gd name="adj1" fmla="val 1111"/>
-              </a:avLst>
+            <a:prstGeom prst="bentConnector2">
+              <a:avLst/>
             </a:prstGeom>
             <a:ln w="38100" cap="flat" cmpd="sng">
               <a:solidFill>
@@ -16921,7 +16520,7 @@
           </p:nvSpPr>
           <p:spPr>
             <a:xfrm>
-              <a:off x="2237105" y="4323080"/>
+              <a:off x="3323288" y="5769011"/>
               <a:ext cx="1062355" cy="144780"/>
             </a:xfrm>
             <a:prstGeom prst="rect">
@@ -16977,9 +16576,9 @@
             <p:nvPr/>
           </p:nvCxnSpPr>
           <p:spPr>
-            <a:xfrm>
-              <a:off x="1800860" y="2807335"/>
-              <a:ext cx="3045460" cy="0"/>
+            <a:xfrm flipV="1">
+              <a:off x="3562212" y="4223973"/>
+              <a:ext cx="1367790" cy="1904"/>
             </a:xfrm>
             <a:prstGeom prst="straightConnector1">
               <a:avLst/>
@@ -17029,8 +16628,8 @@
           </p:nvCxnSpPr>
           <p:spPr>
             <a:xfrm flipH="1">
-              <a:off x="1807210" y="2959735"/>
-              <a:ext cx="3045460" cy="0"/>
+              <a:off x="3355991" y="4385981"/>
+              <a:ext cx="1597025" cy="0"/>
             </a:xfrm>
             <a:prstGeom prst="straightConnector1">
               <a:avLst/>
@@ -17080,7 +16679,7 @@
           </p:nvSpPr>
           <p:spPr>
             <a:xfrm flipH="1">
-              <a:off x="3032760" y="2746692"/>
+              <a:off x="3959961" y="4172938"/>
               <a:ext cx="445770" cy="125095"/>
             </a:xfrm>
             <a:prstGeom prst="rect">
@@ -17129,6 +16728,66 @@
         </p:sp>
         <p:sp>
           <p:nvSpPr>
+            <p:cNvPr id="39" name="사각형: 둥근 모서리 38"/>
+            <p:cNvSpPr>
+              <a:spLocks/>
+            </p:cNvSpPr>
+            <p:nvPr/>
+          </p:nvSpPr>
+          <p:spPr>
+            <a:xfrm>
+              <a:off x="655034" y="2821094"/>
+              <a:ext cx="1396365" cy="890270"/>
+            </a:xfrm>
+            <a:prstGeom prst="roundRect">
+              <a:avLst>
+                <a:gd name="adj" fmla="val 0"/>
+              </a:avLst>
+            </a:prstGeom>
+            <a:solidFill>
+              <a:schemeClr val="bg2"/>
+            </a:solidFill>
+            <a:ln w="12700" cap="flat" cmpd="sng">
+              <a:solidFill>
+                <a:srgbClr val="663300">
+                  <a:alpha val="100000"/>
+                </a:srgbClr>
+              </a:solidFill>
+              <a:prstDash val="solid"/>
+            </a:ln>
+          </p:spPr>
+          <p:style>
+            <a:lnRef idx="2">
+              <a:schemeClr val="accent1">
+                <a:shade val="50000"/>
+              </a:schemeClr>
+            </a:lnRef>
+            <a:fillRef idx="1">
+              <a:schemeClr val="accent1"/>
+            </a:fillRef>
+            <a:effectRef idx="0">
+              <a:schemeClr val="accent1"/>
+            </a:effectRef>
+            <a:fontRef idx="minor">
+              <a:schemeClr val="lt1"/>
+            </a:fontRef>
+          </p:style>
+          <p:txBody>
+            <a:bodyPr vert="horz" wrap="square" lIns="91440" tIns="45720" rIns="91440" bIns="45720" numCol="1" anchor="ctr">
+              <a:noAutofit/>
+            </a:bodyPr>
+            <a:lstStyle/>
+            <a:p>
+              <a:pPr marL="0" indent="0" algn="ctr" latinLnBrk="0">
+                <a:buFontTx/>
+                <a:buNone/>
+              </a:pPr>
+              <a:endParaRPr lang="ko-KR" altLang="en-US" dirty="0"/>
+            </a:p>
+          </p:txBody>
+        </p:sp>
+        <p:sp>
+          <p:nvSpPr>
             <p:cNvPr id="62" name="Rectangle 21">
               <a:extLst>
                 <a:ext uri="{FF2B5EF4-FFF2-40B4-BE49-F238E27FC236}">
@@ -17143,7 +16802,7 @@
           </p:nvSpPr>
           <p:spPr>
             <a:xfrm flipH="1">
-              <a:off x="3032760" y="2896869"/>
+              <a:off x="3959961" y="4323115"/>
               <a:ext cx="445770" cy="125095"/>
             </a:xfrm>
             <a:prstGeom prst="rect">
@@ -17190,58 +16849,902 @@
             </a:p>
           </p:txBody>
         </p:sp>
+        <p:cxnSp>
+          <p:nvCxnSpPr>
+            <p:cNvPr id="74" name="직선 화살표 연결선 73">
+              <a:extLst>
+                <a:ext uri="{FF2B5EF4-FFF2-40B4-BE49-F238E27FC236}">
+                  <a16:creationId xmlns:a16="http://schemas.microsoft.com/office/drawing/2014/main" id="{A6B4F261-5247-41E1-939B-E481750FC9B3}"/>
+                </a:ext>
+              </a:extLst>
+            </p:cNvPr>
+            <p:cNvCxnSpPr>
+              <a:cxnSpLocks/>
+            </p:cNvCxnSpPr>
+            <p:nvPr/>
+          </p:nvCxnSpPr>
+          <p:spPr>
+            <a:xfrm>
+              <a:off x="1679255" y="2588931"/>
+              <a:ext cx="0" cy="1509946"/>
+            </a:xfrm>
+            <a:prstGeom prst="straightConnector1">
+              <a:avLst/>
+            </a:prstGeom>
+            <a:ln w="38100" cap="flat" cmpd="sng">
+              <a:prstDash/>
+              <a:tailEnd type="triangle" w="med" len="med"/>
+            </a:ln>
+          </p:spPr>
+          <p:style>
+            <a:lnRef idx="1">
+              <a:schemeClr val="accent1"/>
+            </a:lnRef>
+            <a:fillRef idx="0">
+              <a:schemeClr val="accent1"/>
+            </a:fillRef>
+            <a:effectRef idx="0">
+              <a:schemeClr val="accent1"/>
+            </a:effectRef>
+            <a:fontRef idx="minor">
+              <a:schemeClr val="tx1"/>
+            </a:fontRef>
+          </p:style>
+        </p:cxnSp>
+        <p:grpSp>
+          <p:nvGrpSpPr>
+            <p:cNvPr id="2" name="그룹 1">
+              <a:extLst>
+                <a:ext uri="{FF2B5EF4-FFF2-40B4-BE49-F238E27FC236}">
+                  <a16:creationId xmlns:a16="http://schemas.microsoft.com/office/drawing/2014/main" id="{668C88A7-914D-4361-A3E3-3DAF1869DC1B}"/>
+                </a:ext>
+              </a:extLst>
+            </p:cNvPr>
+            <p:cNvGrpSpPr/>
+            <p:nvPr/>
+          </p:nvGrpSpPr>
+          <p:grpSpPr>
+            <a:xfrm>
+              <a:off x="8754083" y="166935"/>
+              <a:ext cx="3204210" cy="1276456"/>
+              <a:chOff x="8689340" y="4675505"/>
+              <a:chExt cx="3204210" cy="1402868"/>
+            </a:xfrm>
+          </p:grpSpPr>
+          <p:sp>
+            <p:nvSpPr>
+              <p:cNvPr id="178" name="사각형: 둥근 모서리 177"/>
+              <p:cNvSpPr>
+                <a:spLocks/>
+              </p:cNvSpPr>
+              <p:nvPr/>
+            </p:nvSpPr>
+            <p:spPr>
+              <a:xfrm>
+                <a:off x="8689340" y="4675505"/>
+                <a:ext cx="3204210" cy="1282833"/>
+              </a:xfrm>
+              <a:prstGeom prst="roundRect">
+                <a:avLst>
+                  <a:gd name="adj" fmla="val 0"/>
+                </a:avLst>
+              </a:prstGeom>
+              <a:solidFill>
+                <a:schemeClr val="bg1">
+                  <a:lumMod val="95000"/>
+                </a:schemeClr>
+              </a:solidFill>
+              <a:ln w="19050" cap="flat" cmpd="sng">
+                <a:solidFill>
+                  <a:srgbClr val="663300">
+                    <a:alpha val="100000"/>
+                  </a:srgbClr>
+                </a:solidFill>
+                <a:prstDash val="solid"/>
+              </a:ln>
+            </p:spPr>
+            <p:style>
+              <a:lnRef idx="2">
+                <a:schemeClr val="accent1">
+                  <a:shade val="50000"/>
+                </a:schemeClr>
+              </a:lnRef>
+              <a:fillRef idx="1">
+                <a:schemeClr val="accent1"/>
+              </a:fillRef>
+              <a:effectRef idx="0">
+                <a:schemeClr val="accent1"/>
+              </a:effectRef>
+              <a:fontRef idx="minor">
+                <a:schemeClr val="lt1"/>
+              </a:fontRef>
+            </p:style>
+            <p:txBody>
+              <a:bodyPr vert="horz" wrap="square" lIns="91440" tIns="45720" rIns="91440" bIns="45720" numCol="1" anchor="ctr">
+                <a:noAutofit/>
+              </a:bodyPr>
+              <a:lstStyle/>
+              <a:p>
+                <a:pPr marL="0" indent="0" algn="ctr" latinLnBrk="0">
+                  <a:buFontTx/>
+                  <a:buNone/>
+                </a:pPr>
+                <a:endParaRPr lang="ko-KR" altLang="en-US"/>
+              </a:p>
+            </p:txBody>
+          </p:sp>
+          <p:cxnSp>
+            <p:nvCxnSpPr>
+              <p:cNvPr id="173" name="직선 화살표 연결선 172"/>
+              <p:cNvCxnSpPr>
+                <a:cxnSpLocks/>
+              </p:cNvCxnSpPr>
+              <p:nvPr/>
+            </p:nvCxnSpPr>
+            <p:spPr>
+              <a:xfrm>
+                <a:off x="10155555" y="5318125"/>
+                <a:ext cx="1475740" cy="1905"/>
+              </a:xfrm>
+              <a:prstGeom prst="straightConnector1">
+                <a:avLst/>
+              </a:prstGeom>
+              <a:solidFill>
+                <a:srgbClr val="DDE4D8"/>
+              </a:solidFill>
+              <a:ln w="38100" cap="flat" cmpd="sng">
+                <a:prstDash/>
+                <a:tailEnd type="triangle" w="med" len="med"/>
+              </a:ln>
+            </p:spPr>
+            <p:style>
+              <a:lnRef idx="1">
+                <a:schemeClr val="accent1"/>
+              </a:lnRef>
+              <a:fillRef idx="0">
+                <a:schemeClr val="accent1"/>
+              </a:fillRef>
+              <a:effectRef idx="0">
+                <a:schemeClr val="accent1"/>
+              </a:effectRef>
+              <a:fontRef idx="minor">
+                <a:schemeClr val="tx1"/>
+              </a:fontRef>
+            </p:style>
+          </p:cxnSp>
+          <p:cxnSp>
+            <p:nvCxnSpPr>
+              <p:cNvPr id="175" name="직선 화살표 연결선 174"/>
+              <p:cNvCxnSpPr>
+                <a:cxnSpLocks/>
+              </p:cNvCxnSpPr>
+              <p:nvPr/>
+            </p:nvCxnSpPr>
+            <p:spPr>
+              <a:xfrm>
+                <a:off x="10155555" y="5699125"/>
+                <a:ext cx="1475740" cy="1905"/>
+              </a:xfrm>
+              <a:prstGeom prst="straightConnector1">
+                <a:avLst/>
+              </a:prstGeom>
+              <a:solidFill>
+                <a:srgbClr val="DDE4D8"/>
+              </a:solidFill>
+              <a:ln w="38100" cap="flat" cmpd="sng">
+                <a:solidFill>
+                  <a:schemeClr val="accent2">
+                    <a:lumMod val="75000"/>
+                    <a:alpha val="100000"/>
+                  </a:schemeClr>
+                </a:solidFill>
+                <a:prstDash val="dash"/>
+                <a:tailEnd type="triangle" w="med" len="med"/>
+              </a:ln>
+            </p:spPr>
+            <p:style>
+              <a:lnRef idx="1">
+                <a:schemeClr val="accent1"/>
+              </a:lnRef>
+              <a:fillRef idx="0">
+                <a:schemeClr val="accent1"/>
+              </a:fillRef>
+              <a:effectRef idx="0">
+                <a:schemeClr val="accent1"/>
+              </a:effectRef>
+              <a:fontRef idx="minor">
+                <a:schemeClr val="tx1"/>
+              </a:fontRef>
+            </p:style>
+          </p:cxnSp>
+          <p:sp>
+            <p:nvSpPr>
+              <p:cNvPr id="177" name="TextBox 176"/>
+              <p:cNvSpPr txBox="1">
+                <a:spLocks/>
+              </p:cNvSpPr>
+              <p:nvPr/>
+            </p:nvSpPr>
+            <p:spPr>
+              <a:xfrm>
+                <a:off x="8770663" y="4734992"/>
+                <a:ext cx="1145540" cy="1343381"/>
+              </a:xfrm>
+              <a:prstGeom prst="rect">
+                <a:avLst/>
+              </a:prstGeom>
+              <a:noFill/>
+            </p:spPr>
+            <p:txBody>
+              <a:bodyPr vert="horz" wrap="square" lIns="91440" tIns="45720" rIns="91440" bIns="45720" numCol="1" anchor="t">
+                <a:spAutoFit/>
+              </a:bodyPr>
+              <a:lstStyle/>
+              <a:p>
+                <a:pPr marL="0" indent="0" latinLnBrk="0">
+                  <a:lnSpc>
+                    <a:spcPct val="150000"/>
+                  </a:lnSpc>
+                  <a:buFontTx/>
+                  <a:buNone/>
+                </a:pPr>
+                <a:r>
+                  <a:rPr lang="ko-KR" altLang="en-US" sz="1400" dirty="0"/>
+                  <a:t>메시지 큐</a:t>
+                </a:r>
+                <a:endParaRPr lang="en-US" altLang="ko-KR" sz="1400" dirty="0"/>
+              </a:p>
+              <a:p>
+                <a:pPr marL="0" indent="0" latinLnBrk="0">
+                  <a:lnSpc>
+                    <a:spcPct val="150000"/>
+                  </a:lnSpc>
+                  <a:buFontTx/>
+                  <a:buNone/>
+                </a:pPr>
+                <a:r>
+                  <a:rPr lang="ko-KR" altLang="en-US" sz="1400" dirty="0"/>
+                  <a:t>화면 이동</a:t>
+                </a:r>
+              </a:p>
+              <a:p>
+                <a:pPr marL="0" indent="0" latinLnBrk="0">
+                  <a:lnSpc>
+                    <a:spcPct val="150000"/>
+                  </a:lnSpc>
+                  <a:buFontTx/>
+                  <a:buNone/>
+                </a:pPr>
+                <a:r>
+                  <a:rPr lang="ko-KR" altLang="en-US" sz="1400" dirty="0"/>
+                  <a:t>데이터 이동</a:t>
+                </a:r>
+              </a:p>
+              <a:p>
+                <a:pPr marL="0" indent="0" latinLnBrk="0">
+                  <a:lnSpc>
+                    <a:spcPct val="150000"/>
+                  </a:lnSpc>
+                  <a:buFontTx/>
+                  <a:buNone/>
+                </a:pPr>
+                <a:endParaRPr lang="ko-KR" altLang="en-US" sz="1400" dirty="0"/>
+              </a:p>
+            </p:txBody>
+          </p:sp>
+          <p:sp>
+            <p:nvSpPr>
+              <p:cNvPr id="281" name="Rectangle 25"/>
+              <p:cNvSpPr>
+                <a:spLocks/>
+              </p:cNvSpPr>
+              <p:nvPr/>
+            </p:nvSpPr>
+            <p:spPr>
+              <a:xfrm>
+                <a:off x="10163810" y="4887595"/>
+                <a:ext cx="1290955" cy="144780"/>
+              </a:xfrm>
+              <a:prstGeom prst="rect">
+                <a:avLst/>
+              </a:prstGeom>
+              <a:solidFill>
+                <a:srgbClr val="DFD855"/>
+              </a:solidFill>
+              <a:ln w="0">
+                <a:noFill/>
+                <a:prstDash/>
+              </a:ln>
+            </p:spPr>
+            <p:style>
+              <a:lnRef idx="2">
+                <a:schemeClr val="accent1">
+                  <a:shade val="50000"/>
+                </a:schemeClr>
+              </a:lnRef>
+              <a:fillRef idx="1">
+                <a:schemeClr val="accent1"/>
+              </a:fillRef>
+              <a:effectRef idx="0">
+                <a:schemeClr val="accent1"/>
+              </a:effectRef>
+              <a:fontRef idx="minor">
+                <a:schemeClr val="lt1"/>
+              </a:fontRef>
+            </p:style>
+            <p:txBody>
+              <a:bodyPr vert="horz" wrap="square" lIns="91440" tIns="45720" rIns="91440" bIns="45720" numCol="1" anchor="ctr">
+                <a:noAutofit/>
+              </a:bodyPr>
+              <a:lstStyle/>
+              <a:p>
+                <a:pPr marL="0" indent="0" algn="ctr" latinLnBrk="0" hangingPunct="1">
+                  <a:buFontTx/>
+                  <a:buNone/>
+                </a:pPr>
+                <a:endParaRPr lang="ko-KR" altLang="en-US" sz="1800">
+                  <a:latin typeface="나눔고딕" charset="0"/>
+                  <a:ea typeface="나눔고딕" charset="0"/>
+                </a:endParaRPr>
+              </a:p>
+            </p:txBody>
+          </p:sp>
+        </p:grpSp>
+        <p:sp>
+          <p:nvSpPr>
+            <p:cNvPr id="70" name="Rectangle 40">
+              <a:extLst>
+                <a:ext uri="{FF2B5EF4-FFF2-40B4-BE49-F238E27FC236}">
+                  <a16:creationId xmlns:a16="http://schemas.microsoft.com/office/drawing/2014/main" id="{1119E18A-A3DA-4BEA-BE7C-FB51FCF39B33}"/>
+                </a:ext>
+              </a:extLst>
+            </p:cNvPr>
+            <p:cNvSpPr>
+              <a:spLocks/>
+            </p:cNvSpPr>
+            <p:nvPr/>
+          </p:nvSpPr>
+          <p:spPr>
+            <a:xfrm>
+              <a:off x="4706068" y="5171741"/>
+              <a:ext cx="1062355" cy="144780"/>
+            </a:xfrm>
+            <a:prstGeom prst="rect">
+              <a:avLst/>
+            </a:prstGeom>
+            <a:solidFill>
+              <a:srgbClr val="DFD855"/>
+            </a:solidFill>
+            <a:ln w="0">
+              <a:noFill/>
+              <a:prstDash/>
+            </a:ln>
+          </p:spPr>
+          <p:style>
+            <a:lnRef idx="2">
+              <a:schemeClr val="accent1">
+                <a:shade val="50000"/>
+              </a:schemeClr>
+            </a:lnRef>
+            <a:fillRef idx="1">
+              <a:schemeClr val="accent1"/>
+            </a:fillRef>
+            <a:effectRef idx="0">
+              <a:schemeClr val="accent1"/>
+            </a:effectRef>
+            <a:fontRef idx="minor">
+              <a:schemeClr val="lt1"/>
+            </a:fontRef>
+          </p:style>
+          <p:txBody>
+            <a:bodyPr vert="horz" wrap="square" lIns="91440" tIns="45720" rIns="91440" bIns="45720" numCol="1" anchor="ctr">
+              <a:noAutofit/>
+            </a:bodyPr>
+            <a:lstStyle/>
+            <a:p>
+              <a:pPr marL="0" indent="0" algn="ctr" latinLnBrk="0" hangingPunct="1">
+                <a:buFontTx/>
+                <a:buNone/>
+              </a:pPr>
+              <a:endParaRPr lang="ko-KR" altLang="en-US" sz="1800">
+                <a:latin typeface="나눔고딕" charset="0"/>
+                <a:ea typeface="나눔고딕" charset="0"/>
+              </a:endParaRPr>
+            </a:p>
+          </p:txBody>
+        </p:sp>
+        <p:sp>
+          <p:nvSpPr>
+            <p:cNvPr id="75" name="사각형: 둥근 모서리 74">
+              <a:extLst>
+                <a:ext uri="{FF2B5EF4-FFF2-40B4-BE49-F238E27FC236}">
+                  <a16:creationId xmlns:a16="http://schemas.microsoft.com/office/drawing/2014/main" id="{52594774-6E25-4A4F-9437-9A30FC136F1D}"/>
+                </a:ext>
+              </a:extLst>
+            </p:cNvPr>
+            <p:cNvSpPr>
+              <a:spLocks/>
+            </p:cNvSpPr>
+            <p:nvPr/>
+          </p:nvSpPr>
+          <p:spPr>
+            <a:xfrm>
+              <a:off x="751871" y="4108167"/>
+              <a:ext cx="1195354" cy="569595"/>
+            </a:xfrm>
+            <a:prstGeom prst="roundRect">
+              <a:avLst>
+                <a:gd name="adj" fmla="val 0"/>
+              </a:avLst>
+            </a:prstGeom>
+            <a:solidFill>
+              <a:schemeClr val="accent2">
+                <a:lumMod val="40000"/>
+                <a:lumOff val="60000"/>
+              </a:schemeClr>
+            </a:solidFill>
+            <a:ln w="12700" cap="flat" cmpd="sng">
+              <a:solidFill>
+                <a:srgbClr val="663300">
+                  <a:alpha val="100000"/>
+                </a:srgbClr>
+              </a:solidFill>
+              <a:prstDash val="solid"/>
+            </a:ln>
+          </p:spPr>
+          <p:style>
+            <a:lnRef idx="2">
+              <a:schemeClr val="accent1">
+                <a:shade val="50000"/>
+              </a:schemeClr>
+            </a:lnRef>
+            <a:fillRef idx="1">
+              <a:schemeClr val="accent1"/>
+            </a:fillRef>
+            <a:effectRef idx="0">
+              <a:schemeClr val="accent1"/>
+            </a:effectRef>
+            <a:fontRef idx="minor">
+              <a:schemeClr val="lt1"/>
+            </a:fontRef>
+          </p:style>
+          <p:txBody>
+            <a:bodyPr vert="horz" wrap="square" lIns="91440" tIns="45720" rIns="91440" bIns="45720" numCol="1" anchor="ctr">
+              <a:noAutofit/>
+            </a:bodyPr>
+            <a:lstStyle/>
+            <a:p>
+              <a:pPr marL="0" indent="0" algn="ctr" latinLnBrk="0">
+                <a:buFontTx/>
+                <a:buNone/>
+              </a:pPr>
+              <a:r>
+                <a:rPr lang="en-US" altLang="ko-KR" sz="1500" b="1" dirty="0">
+                  <a:solidFill>
+                    <a:schemeClr val="tx1"/>
+                  </a:solidFill>
+                </a:rPr>
+                <a:t>Contact us</a:t>
+              </a:r>
+              <a:endParaRPr lang="ko-KR" altLang="en-US" sz="1500" b="1" dirty="0">
+                <a:solidFill>
+                  <a:schemeClr val="tx1"/>
+                </a:solidFill>
+              </a:endParaRPr>
+            </a:p>
+          </p:txBody>
+        </p:sp>
+        <p:cxnSp>
+          <p:nvCxnSpPr>
+            <p:cNvPr id="47" name="직선 화살표 연결선 46"/>
+            <p:cNvCxnSpPr/>
+            <p:nvPr/>
+          </p:nvCxnSpPr>
+          <p:spPr>
+            <a:xfrm>
+              <a:off x="1332579" y="2602019"/>
+              <a:ext cx="8890" cy="393065"/>
+            </a:xfrm>
+            <a:prstGeom prst="straightConnector1">
+              <a:avLst/>
+            </a:prstGeom>
+            <a:ln w="38100" cap="flat" cmpd="sng">
+              <a:prstDash/>
+              <a:tailEnd type="triangle" w="med" len="med"/>
+            </a:ln>
+          </p:spPr>
+          <p:style>
+            <a:lnRef idx="1">
+              <a:schemeClr val="accent1"/>
+            </a:lnRef>
+            <a:fillRef idx="0">
+              <a:schemeClr val="accent1"/>
+            </a:fillRef>
+            <a:effectRef idx="0">
+              <a:schemeClr val="accent1"/>
+            </a:effectRef>
+            <a:fontRef idx="minor">
+              <a:schemeClr val="tx1"/>
+            </a:fontRef>
+          </p:style>
+        </p:cxnSp>
+        <p:sp>
+          <p:nvSpPr>
+            <p:cNvPr id="44" name="사각형: 둥근 모서리 43"/>
+            <p:cNvSpPr>
+              <a:spLocks/>
+            </p:cNvSpPr>
+            <p:nvPr/>
+          </p:nvSpPr>
+          <p:spPr>
+            <a:xfrm>
+              <a:off x="767269" y="3014859"/>
+              <a:ext cx="1144905" cy="569595"/>
+            </a:xfrm>
+            <a:prstGeom prst="roundRect">
+              <a:avLst>
+                <a:gd name="adj" fmla="val 0"/>
+              </a:avLst>
+            </a:prstGeom>
+            <a:solidFill>
+              <a:schemeClr val="accent2">
+                <a:lumMod val="40000"/>
+                <a:lumOff val="60000"/>
+              </a:schemeClr>
+            </a:solidFill>
+            <a:ln w="12700" cap="flat" cmpd="sng">
+              <a:solidFill>
+                <a:srgbClr val="663300">
+                  <a:alpha val="100000"/>
+                </a:srgbClr>
+              </a:solidFill>
+              <a:prstDash val="solid"/>
+            </a:ln>
+          </p:spPr>
+          <p:style>
+            <a:lnRef idx="2">
+              <a:schemeClr val="accent1">
+                <a:shade val="50000"/>
+              </a:schemeClr>
+            </a:lnRef>
+            <a:fillRef idx="1">
+              <a:schemeClr val="accent1"/>
+            </a:fillRef>
+            <a:effectRef idx="0">
+              <a:schemeClr val="accent1"/>
+            </a:effectRef>
+            <a:fontRef idx="minor">
+              <a:schemeClr val="lt1"/>
+            </a:fontRef>
+          </p:style>
+          <p:txBody>
+            <a:bodyPr vert="horz" wrap="square" lIns="91440" tIns="45720" rIns="91440" bIns="45720" numCol="1" anchor="ctr">
+              <a:noAutofit/>
+            </a:bodyPr>
+            <a:lstStyle/>
+            <a:p>
+              <a:pPr marL="0" indent="0" algn="ctr" latinLnBrk="0">
+                <a:buFontTx/>
+                <a:buNone/>
+              </a:pPr>
+              <a:r>
+                <a:rPr lang="ko-KR" altLang="en-US" sz="1500" b="1" dirty="0">
+                  <a:solidFill>
+                    <a:schemeClr val="tx1"/>
+                  </a:solidFill>
+                </a:rPr>
+                <a:t>마이페이지</a:t>
+              </a:r>
+            </a:p>
+          </p:txBody>
+        </p:sp>
+        <p:sp>
+          <p:nvSpPr>
+            <p:cNvPr id="82" name="사각형: 둥근 모서리 81">
+              <a:extLst>
+                <a:ext uri="{FF2B5EF4-FFF2-40B4-BE49-F238E27FC236}">
+                  <a16:creationId xmlns:a16="http://schemas.microsoft.com/office/drawing/2014/main" id="{25805C6E-D546-4B55-BA3F-587D5AA42E5A}"/>
+                </a:ext>
+              </a:extLst>
+            </p:cNvPr>
+            <p:cNvSpPr>
+              <a:spLocks/>
+            </p:cNvSpPr>
+            <p:nvPr/>
+          </p:nvSpPr>
+          <p:spPr>
+            <a:xfrm>
+              <a:off x="4914487" y="1896762"/>
+              <a:ext cx="2392680" cy="848360"/>
+            </a:xfrm>
+            <a:prstGeom prst="roundRect">
+              <a:avLst>
+                <a:gd name="adj" fmla="val 0"/>
+              </a:avLst>
+            </a:prstGeom>
+            <a:solidFill>
+              <a:schemeClr val="bg2"/>
+            </a:solidFill>
+            <a:ln w="12700" cap="flat" cmpd="sng">
+              <a:solidFill>
+                <a:srgbClr val="663300">
+                  <a:alpha val="100000"/>
+                </a:srgbClr>
+              </a:solidFill>
+              <a:prstDash val="solid"/>
+            </a:ln>
+          </p:spPr>
+          <p:style>
+            <a:lnRef idx="2">
+              <a:schemeClr val="accent1">
+                <a:shade val="50000"/>
+              </a:schemeClr>
+            </a:lnRef>
+            <a:fillRef idx="1">
+              <a:schemeClr val="accent1"/>
+            </a:fillRef>
+            <a:effectRef idx="0">
+              <a:schemeClr val="accent1"/>
+            </a:effectRef>
+            <a:fontRef idx="minor">
+              <a:schemeClr val="lt1"/>
+            </a:fontRef>
+          </p:style>
+          <p:txBody>
+            <a:bodyPr vert="horz" wrap="square" lIns="91440" tIns="45720" rIns="91440" bIns="45720" numCol="1" anchor="ctr">
+              <a:noAutofit/>
+            </a:bodyPr>
+            <a:lstStyle/>
+            <a:p>
+              <a:pPr marL="0" indent="0" algn="ctr" latinLnBrk="0">
+                <a:buFontTx/>
+                <a:buNone/>
+              </a:pPr>
+              <a:endParaRPr lang="ko-KR" altLang="en-US"/>
+            </a:p>
+          </p:txBody>
+        </p:sp>
+        <p:cxnSp>
+          <p:nvCxnSpPr>
+            <p:cNvPr id="86" name="Elbow Double Arrow Connector 43">
+              <a:extLst>
+                <a:ext uri="{FF2B5EF4-FFF2-40B4-BE49-F238E27FC236}">
+                  <a16:creationId xmlns:a16="http://schemas.microsoft.com/office/drawing/2014/main" id="{B8A36672-1AD2-4F37-BEB5-26506E100835}"/>
+                </a:ext>
+              </a:extLst>
+            </p:cNvPr>
+            <p:cNvCxnSpPr>
+              <a:cxnSpLocks/>
+            </p:cNvCxnSpPr>
+            <p:nvPr/>
+          </p:nvCxnSpPr>
+          <p:spPr>
+            <a:xfrm rot="10800000" flipV="1">
+              <a:off x="743862" y="1381724"/>
+              <a:ext cx="3231255" cy="2943639"/>
+            </a:xfrm>
+            <a:prstGeom prst="bentConnector3">
+              <a:avLst>
+                <a:gd name="adj1" fmla="val 116833"/>
+              </a:avLst>
+            </a:prstGeom>
+            <a:ln w="38100" cap="flat" cmpd="sng">
+              <a:solidFill>
+                <a:schemeClr val="accent2">
+                  <a:lumMod val="75000"/>
+                  <a:alpha val="100000"/>
+                </a:schemeClr>
+              </a:solidFill>
+              <a:prstDash val="dash"/>
+              <a:tailEnd type="triangle" w="med" len="med"/>
+            </a:ln>
+          </p:spPr>
+          <p:style>
+            <a:lnRef idx="1">
+              <a:schemeClr val="accent1"/>
+            </a:lnRef>
+            <a:fillRef idx="0">
+              <a:schemeClr val="accent1"/>
+            </a:fillRef>
+            <a:effectRef idx="0">
+              <a:schemeClr val="accent1"/>
+            </a:effectRef>
+            <a:fontRef idx="minor">
+              <a:schemeClr val="tx1"/>
+            </a:fontRef>
+          </p:style>
+        </p:cxnSp>
+        <p:cxnSp>
+          <p:nvCxnSpPr>
+            <p:cNvPr id="36" name="연결선: 꺾임 35">
+              <a:extLst>
+                <a:ext uri="{FF2B5EF4-FFF2-40B4-BE49-F238E27FC236}">
+                  <a16:creationId xmlns:a16="http://schemas.microsoft.com/office/drawing/2014/main" id="{8C9723AE-DE9E-432C-A14A-4476423ADEB1}"/>
+                </a:ext>
+              </a:extLst>
+            </p:cNvPr>
+            <p:cNvCxnSpPr>
+              <a:cxnSpLocks/>
+            </p:cNvCxnSpPr>
+            <p:nvPr/>
+          </p:nvCxnSpPr>
+          <p:spPr>
+            <a:xfrm>
+              <a:off x="4062729" y="1385403"/>
+              <a:ext cx="1271391" cy="940806"/>
+            </a:xfrm>
+            <a:prstGeom prst="bentConnector3">
+              <a:avLst>
+                <a:gd name="adj1" fmla="val 23986"/>
+              </a:avLst>
+            </a:prstGeom>
+            <a:ln w="38100">
+              <a:solidFill>
+                <a:srgbClr val="C00000"/>
+              </a:solidFill>
+              <a:prstDash val="dash"/>
+            </a:ln>
+          </p:spPr>
+          <p:style>
+            <a:lnRef idx="1">
+              <a:schemeClr val="accent1"/>
+            </a:lnRef>
+            <a:fillRef idx="0">
+              <a:schemeClr val="accent1"/>
+            </a:fillRef>
+            <a:effectRef idx="0">
+              <a:schemeClr val="accent1"/>
+            </a:effectRef>
+            <a:fontRef idx="minor">
+              <a:schemeClr val="tx1"/>
+            </a:fontRef>
+          </p:style>
+        </p:cxnSp>
+        <p:sp>
+          <p:nvSpPr>
+            <p:cNvPr id="83" name="사각형: 둥근 모서리 82">
+              <a:extLst>
+                <a:ext uri="{FF2B5EF4-FFF2-40B4-BE49-F238E27FC236}">
+                  <a16:creationId xmlns:a16="http://schemas.microsoft.com/office/drawing/2014/main" id="{D5258BAC-00AE-453F-9125-9750BA61F779}"/>
+                </a:ext>
+              </a:extLst>
+            </p:cNvPr>
+            <p:cNvSpPr>
+              <a:spLocks/>
+            </p:cNvSpPr>
+            <p:nvPr/>
+          </p:nvSpPr>
+          <p:spPr>
+            <a:xfrm>
+              <a:off x="5231352" y="2045987"/>
+              <a:ext cx="1833880" cy="553085"/>
+            </a:xfrm>
+            <a:prstGeom prst="roundRect">
+              <a:avLst>
+                <a:gd name="adj" fmla="val 0"/>
+              </a:avLst>
+            </a:prstGeom>
+            <a:solidFill>
+              <a:schemeClr val="accent2">
+                <a:lumMod val="40000"/>
+                <a:lumOff val="60000"/>
+              </a:schemeClr>
+            </a:solidFill>
+            <a:ln w="12700" cap="flat" cmpd="sng">
+              <a:solidFill>
+                <a:srgbClr val="663300">
+                  <a:alpha val="100000"/>
+                </a:srgbClr>
+              </a:solidFill>
+              <a:prstDash val="solid"/>
+            </a:ln>
+          </p:spPr>
+          <p:style>
+            <a:lnRef idx="2">
+              <a:schemeClr val="accent1">
+                <a:shade val="50000"/>
+              </a:schemeClr>
+            </a:lnRef>
+            <a:fillRef idx="1">
+              <a:schemeClr val="accent1"/>
+            </a:fillRef>
+            <a:effectRef idx="0">
+              <a:schemeClr val="accent1"/>
+            </a:effectRef>
+            <a:fontRef idx="minor">
+              <a:schemeClr val="lt1"/>
+            </a:fontRef>
+          </p:style>
+          <p:txBody>
+            <a:bodyPr vert="horz" wrap="square" lIns="91440" tIns="45720" rIns="91440" bIns="45720" numCol="1" anchor="ctr">
+              <a:noAutofit/>
+            </a:bodyPr>
+            <a:lstStyle/>
+            <a:p>
+              <a:pPr marL="0" indent="0" algn="ctr" latinLnBrk="0">
+                <a:buFontTx/>
+                <a:buNone/>
+              </a:pPr>
+              <a:r>
+                <a:rPr lang="en-US" altLang="ko-KR" b="1" dirty="0">
+                  <a:solidFill>
+                    <a:schemeClr val="tx1"/>
+                  </a:solidFill>
+                </a:rPr>
+                <a:t>Notice</a:t>
+              </a:r>
+              <a:endParaRPr lang="ko-KR" altLang="en-US" b="1" dirty="0">
+                <a:solidFill>
+                  <a:schemeClr val="tx1"/>
+                </a:solidFill>
+              </a:endParaRPr>
+            </a:p>
+          </p:txBody>
+        </p:sp>
+        <p:sp>
+          <p:nvSpPr>
+            <p:cNvPr id="95" name="Rectangle 40">
+              <a:extLst>
+                <a:ext uri="{FF2B5EF4-FFF2-40B4-BE49-F238E27FC236}">
+                  <a16:creationId xmlns:a16="http://schemas.microsoft.com/office/drawing/2014/main" id="{E955636B-92DA-4756-A397-4AF94CBAA0AA}"/>
+                </a:ext>
+              </a:extLst>
+            </p:cNvPr>
+            <p:cNvSpPr>
+              <a:spLocks/>
+            </p:cNvSpPr>
+            <p:nvPr/>
+          </p:nvSpPr>
+          <p:spPr>
+            <a:xfrm>
+              <a:off x="2180606" y="1301650"/>
+              <a:ext cx="1062355" cy="144780"/>
+            </a:xfrm>
+            <a:prstGeom prst="rect">
+              <a:avLst/>
+            </a:prstGeom>
+            <a:solidFill>
+              <a:srgbClr val="DFD855"/>
+            </a:solidFill>
+            <a:ln w="0">
+              <a:noFill/>
+              <a:prstDash/>
+            </a:ln>
+          </p:spPr>
+          <p:style>
+            <a:lnRef idx="2">
+              <a:schemeClr val="accent1">
+                <a:shade val="50000"/>
+              </a:schemeClr>
+            </a:lnRef>
+            <a:fillRef idx="1">
+              <a:schemeClr val="accent1"/>
+            </a:fillRef>
+            <a:effectRef idx="0">
+              <a:schemeClr val="accent1"/>
+            </a:effectRef>
+            <a:fontRef idx="minor">
+              <a:schemeClr val="lt1"/>
+            </a:fontRef>
+          </p:style>
+          <p:txBody>
+            <a:bodyPr vert="horz" wrap="square" lIns="91440" tIns="45720" rIns="91440" bIns="45720" numCol="1" anchor="ctr">
+              <a:noAutofit/>
+            </a:bodyPr>
+            <a:lstStyle/>
+            <a:p>
+              <a:pPr marL="0" indent="0" algn="ctr" latinLnBrk="0" hangingPunct="1">
+                <a:buFontTx/>
+                <a:buNone/>
+              </a:pPr>
+              <a:endParaRPr lang="ko-KR" altLang="en-US" sz="1800">
+                <a:latin typeface="나눔고딕" charset="0"/>
+                <a:ea typeface="나눔고딕" charset="0"/>
+              </a:endParaRPr>
+            </a:p>
+          </p:txBody>
+        </p:sp>
       </p:grpSp>
-      <p:sp>
-        <p:nvSpPr>
-          <p:cNvPr id="63" name="제목 1">
-            <a:extLst>
-              <a:ext uri="{FF2B5EF4-FFF2-40B4-BE49-F238E27FC236}">
-                <a16:creationId xmlns:a16="http://schemas.microsoft.com/office/drawing/2014/main" id="{B19D4B55-BB5F-4399-8A1C-36FF6F497916}"/>
-              </a:ext>
-            </a:extLst>
-          </p:cNvPr>
-          <p:cNvSpPr>
-            <a:spLocks noGrp="1"/>
-          </p:cNvSpPr>
-          <p:nvPr>
-            <p:ph type="title"/>
-          </p:nvPr>
-        </p:nvSpPr>
-        <p:spPr>
-          <a:xfrm>
-            <a:off x="61653" y="102906"/>
-            <a:ext cx="4336330" cy="887307"/>
-          </a:xfrm>
-        </p:spPr>
-        <p:txBody>
-          <a:bodyPr>
-            <a:normAutofit/>
-          </a:bodyPr>
-          <a:lstStyle/>
-          <a:p>
-            <a:r>
-              <a:rPr lang="en-US" altLang="ko-KR" sz="3600" dirty="0">
-                <a:solidFill>
-                  <a:srgbClr val="403726"/>
-                </a:solidFill>
-                <a:latin typeface="양진체 " panose="02020503000000000000" pitchFamily="18" charset="-127"/>
-                <a:ea typeface="양진체 " panose="02020503000000000000" pitchFamily="18" charset="-127"/>
-              </a:rPr>
-              <a:t> </a:t>
-            </a:r>
-            <a:r>
-              <a:rPr lang="ko-KR" altLang="en-US" sz="3600" dirty="0">
-                <a:solidFill>
-                  <a:srgbClr val="403726"/>
-                </a:solidFill>
-                <a:latin typeface="양진체 " panose="02020503000000000000" pitchFamily="18" charset="-127"/>
-                <a:ea typeface="양진체 " panose="02020503000000000000" pitchFamily="18" charset="-127"/>
-              </a:rPr>
-              <a:t>프로세스 흐름도</a:t>
-            </a:r>
-          </a:p>
-        </p:txBody>
-      </p:sp>
     </p:spTree>
     <p:extLst>
       <p:ext uri="{BB962C8B-B14F-4D97-AF65-F5344CB8AC3E}">
